--- a/PL E1.pptx
+++ b/PL E1.pptx
@@ -9,6 +9,8 @@
     <p:sldId id="257" r:id="rId3"/>
     <p:sldId id="258" r:id="rId4"/>
     <p:sldId id="259" r:id="rId5"/>
+    <p:sldId id="260" r:id="rId6"/>
+    <p:sldId id="261" r:id="rId7"/>
   </p:sldIdLst>
   <p:sldSz cx="9144000" cy="5143500" type="screen16x9"/>
   <p:notesSz cx="6858000" cy="9144000"/>
@@ -3118,7 +3120,7 @@
             </a:pPr>
             <a:r>
               <a:rPr/>
-              <a:t>Ejemplo PL gMOIP</a:t>
+              <a:t>Programación Lineal Método Gráfico</a:t>
             </a:r>
           </a:p>
         </p:txBody>
@@ -3150,7 +3152,7 @@
             <a:br/>
             <a:r>
               <a:rPr/>
-              <a:t>Guillermo Durán G</a:t>
+              <a:t>Guillermo Durán G.</a:t>
             </a:r>
           </a:p>
         </p:txBody>
@@ -3179,12 +3181,12 @@
       </p:grpSpPr>
       <p:sp>
         <p:nvSpPr>
-          <p:cNvPr id="2" name="Title 1"/>
-          <p:cNvSpPr>
-            <a:spLocks noGrp="1"/>
-          </p:cNvSpPr>
-          <p:nvPr>
-            <p:ph type="title"/>
+          <p:cNvPr id="4" name="Text Placeholder 3"/>
+          <p:cNvSpPr>
+            <a:spLocks noGrp="1"/>
+          </p:cNvSpPr>
+          <p:nvPr>
+            <p:ph idx="2" sz="half" type="body"/>
           </p:nvPr>
         </p:nvSpPr>
         <p:spPr/>
@@ -3193,63 +3195,32 @@
           <a:lstStyle/>
           <a:p>
             <a:pPr lvl="0" indent="0" marL="0">
+              <a:spcBef>
+                <a:spcPts val="3000"/>
+              </a:spcBef>
               <a:buNone/>
             </a:pPr>
             <a:r>
+              <a:rPr b="1"/>
+              <a:t>Ejemplo 1:</a:t>
+            </a:r>
+          </a:p>
+          <a:p>
+            <a:pPr lvl="0" indent="0" marL="0">
+              <a:buNone/>
+            </a:pPr>
+            <a:r>
               <a:rPr/>
-              <a:t>Ejemplo 1:</a:t>
-            </a:r>
-          </a:p>
-        </p:txBody>
-      </p:sp>
-      <p:sp>
-        <p:nvSpPr>
-          <p:cNvPr id="3" name="Content Placeholder 2"/>
-          <p:cNvSpPr>
-            <a:spLocks noGrp="1"/>
-          </p:cNvSpPr>
-          <p:nvPr>
-            <p:ph idx="1"/>
-          </p:nvPr>
-        </p:nvSpPr>
-        <p:spPr/>
-        <p:txBody>
-          <a:bodyPr/>
-          <a:lstStyle/>
+              <a:t>Ud. realiza la siguiente oferta:</a:t>
+            </a:r>
+          </a:p>
           <a:p>
             <a:pPr lvl="0" indent="0" marL="0">
               <a:buNone/>
             </a:pPr>
             <a:r>
               <a:rPr/>
-              <a:t>$Ud. realiza la siguiente oferta:</a:t>
-            </a:r>
-          </a:p>
-          <a:p>
-            <a:pPr lvl="0" indent="0" marL="0">
-              <a:buNone/>
-            </a:pPr>
-            <a:r>
-              <a:rPr/>
-              <a:t>Lote A: 3 paquetes de jabones y 3 botellas de shampoo. Lote B: 2 paquetes de jabones y 4 botellas de shampoo.</a:t>
-            </a:r>
-          </a:p>
-          <a:p>
-            <a:pPr lvl="0" indent="0" marL="0">
-              <a:buNone/>
-            </a:pPr>
-            <a:r>
-              <a:rPr/>
-              <a:t>El precio de venta de cada lote A es de 24 dólares y de cada lote B, 22 dólares; pero no pueden venderse más de 9 lotes de la clase B.</a:t>
-            </a:r>
-          </a:p>
-          <a:p>
-            <a:pPr lvl="0" indent="0" marL="0">
-              <a:buNone/>
-            </a:pPr>
-            <a:r>
-              <a:rPr/>
-              <a:t>En bodega hay 36 paquetes de jabones y 48 botellas de shampoo.</a:t>
+              <a:t>Lote A: 3 paquetes de jabones y 3 botellas de shampoo. Lote B: 2 paquetes de jabones y 4 botellas de shampoo. El precio de venta de cada lote A es de 24 dólares y de cada lote B, 22 dólares; pero no pueden venderse más de 9 lotes de la clase B. En bodega hay 36 paquetes de jabones y 48 botellas de shampoo.</a:t>
             </a:r>
           </a:p>
           <a:p>
@@ -3276,11 +3247,62 @@
             </a:pPr>
             <a:r>
               <a:rPr/>
-              <a:t>Calcula el beneficio máximo.$</a:t>
-            </a:r>
-          </a:p>
-        </p:txBody>
-      </p:sp>
+              <a:t>Calcula el beneficio máximo.</a:t>
+            </a:r>
+          </a:p>
+          <a:p>
+            <a:pPr lvl="0" indent="0" marL="0">
+              <a:spcBef>
+                <a:spcPts val="3000"/>
+              </a:spcBef>
+              <a:buNone/>
+            </a:pPr>
+            <a:r>
+              <a:rPr b="1"/>
+              <a:t>Solución:</a:t>
+            </a:r>
+          </a:p>
+          <a:p>
+            <a:pPr lvl="0" indent="0" marL="0">
+              <a:buNone/>
+            </a:pPr>
+            <a:r>
+              <a:rPr/>
+              <a:t>Sean x= número de lotes A,y= número de lotes B.</a:t>
+            </a:r>
+          </a:p>
+        </p:txBody>
+      </p:sp>
+      <p:pic>
+        <p:nvPicPr>
+          <p:cNvPr descr="Tabla%201.jpg" id="0" name="Picture 1"/>
+          <p:cNvPicPr>
+            <a:picLocks noGrp="1" noChangeAspect="1"/>
+          </p:cNvPicPr>
+          <p:nvPr/>
+        </p:nvPicPr>
+        <p:blipFill>
+          <a:blip r:embed="rId2"/>
+          <a:stretch>
+            <a:fillRect/>
+          </a:stretch>
+        </p:blipFill>
+        <p:spPr bwMode="auto">
+          <a:xfrm>
+            <a:off x="3568700" y="1600200"/>
+            <a:ext cx="5105400" cy="1587500"/>
+          </a:xfrm>
+          <a:prstGeom prst="rect">
+            <a:avLst/>
+          </a:prstGeom>
+          <a:noFill/>
+          <a:ln w="9525">
+            <a:noFill/>
+            <a:headEnd/>
+            <a:tailEnd/>
+          </a:ln>
+        </p:spPr>
+      </p:pic>
     </p:spTree>
   </p:cSld>
 </p:sld>
@@ -3303,129 +3325,36 @@
           <a:chExt cx="0" cy="0"/>
         </a:xfrm>
       </p:grpSpPr>
-      <p:sp>
-        <p:nvSpPr>
-          <p:cNvPr id="2" name="Title 1"/>
-          <p:cNvSpPr>
-            <a:spLocks noGrp="1"/>
-          </p:cNvSpPr>
-          <p:nvPr>
-            <p:ph type="title"/>
-          </p:nvPr>
-        </p:nvSpPr>
-        <p:spPr/>
-        <p:txBody>
-          <a:bodyPr/>
-          <a:lstStyle/>
-          <a:p>
-            <a:pPr lvl="0" indent="0" marL="0">
-              <a:buNone/>
-            </a:pPr>
-            <a:r>
-              <a:rPr/>
-              <a:t>Solución:</a:t>
-            </a:r>
-          </a:p>
-        </p:txBody>
-      </p:sp>
-      <mc:AlternateContent xmlns:mc="http://schemas.openxmlformats.org/markup-compatibility/2006">
-        <mc:Choice xmlns:a14="http://schemas.microsoft.com/office/drawing/2010/main" Requires="a14">
-          <p:sp>
-            <p:nvSpPr>
-              <p:cNvPr id="3" name="Content Placeholder 2"/>
-              <p:cNvSpPr>
-                <a:spLocks noGrp="1"/>
-              </p:cNvSpPr>
-              <p:nvPr>
-                <p:ph idx="1"/>
-              </p:nvPr>
-            </p:nvSpPr>
-            <p:spPr/>
-            <p:txBody>
-              <a:bodyPr/>
-              <a:lstStyle/>
-              <a:p>
-                <a:pPr lvl="0" indent="0" marL="0">
-                  <a:buNone/>
-                </a:pPr>
-                <a:r>
-                  <a:rPr/>
-                  <a:t>Sean </a:t>
-                </a:r>
-                <a14:m>
-                  <m:oMath xmlns:m="http://schemas.openxmlformats.org/officeDocument/2006/math">
-                    <m:r>
-                      <m:t>x</m:t>
-                    </m:r>
-                    <m:r>
-                      <m:rPr>
-                        <m:sty m:val="p"/>
-                      </m:rPr>
-                      <m:t>=</m:t>
-                    </m:r>
-                  </m:oMath>
-                </a14:m>
-                <a:r>
-                  <a:rPr/>
-                  <a:t> número de lotes </a:t>
-                </a:r>
-                <a14:m>
-                  <m:oMath xmlns:m="http://schemas.openxmlformats.org/officeDocument/2006/math">
-                    <m:r>
-                      <m:rPr>
-                        <m:sty m:val="p"/>
-                      </m:rPr>
-                      <m:t>A</m:t>
-                    </m:r>
-                    <m:r>
-                      <m:rPr>
-                        <m:sty m:val="p"/>
-                      </m:rPr>
-                      <m:t>,</m:t>
-                    </m:r>
-                    <m:r>
-                      <m:t>y</m:t>
-                    </m:r>
-                    <m:r>
-                      <m:rPr>
-                        <m:sty m:val="p"/>
-                      </m:rPr>
-                      <m:t>=</m:t>
-                    </m:r>
-                  </m:oMath>
-                </a14:m>
-                <a:r>
-                  <a:rPr/>
-                  <a:t> número de lotes </a:t>
-                </a:r>
-                <a14:m>
-                  <m:oMath xmlns:m="http://schemas.openxmlformats.org/officeDocument/2006/math">
-                    <m:r>
-                      <m:rPr>
-                        <m:sty m:val="p"/>
-                      </m:rPr>
-                      <m:t>B</m:t>
-                    </m:r>
-                  </m:oMath>
-                </a14:m>
-                <a:r>
-                  <a:rPr/>
-                  <a:t>.</a:t>
-                </a:r>
-              </a:p>
-              <a:p>
-                <a:pPr lvl="0" indent="0" marL="0">
-                  <a:buNone/>
-                </a:pPr>
-                <a:r>
-                  <a:rPr/>
-                  <a:t>$\begin{tabular}{|l|c|c|c|c|} \hline &amp; Detergente &amp; Lavavajillas &amp; Máximo &amp; Precio \\ \hline Lote A &amp; 3 &amp; 3 &amp; &amp; 24 \\ \hline Lote B &amp; 2 &amp; 4 &amp; 9 &amp; 22 \\ \hline &amp; 36 &amp; 48 &amp; &amp; \\ \hline \end{tabular}$</a:t>
-                </a:r>
-              </a:p>
-            </p:txBody>
-          </p:sp>
-        </mc:Choice>
-      </mc:AlternateContent>
+      <p:pic>
+        <p:nvPicPr>
+          <p:cNvPr descr="Funci%C3%B3nO%201.jpg" id="0" name="Picture 1"/>
+          <p:cNvPicPr>
+            <a:picLocks noGrp="1" noChangeAspect="1"/>
+          </p:cNvPicPr>
+          <p:nvPr/>
+        </p:nvPicPr>
+        <p:blipFill>
+          <a:blip r:embed="rId2"/>
+          <a:stretch>
+            <a:fillRect/>
+          </a:stretch>
+        </p:blipFill>
+        <p:spPr bwMode="auto">
+          <a:xfrm>
+            <a:off x="482600" y="1193800"/>
+            <a:ext cx="8191500" cy="3390900"/>
+          </a:xfrm>
+          <a:prstGeom prst="rect">
+            <a:avLst/>
+          </a:prstGeom>
+          <a:noFill/>
+          <a:ln w="9525">
+            <a:noFill/>
+            <a:headEnd/>
+            <a:tailEnd/>
+          </a:ln>
+        </p:spPr>
+      </p:pic>
     </p:spTree>
   </p:cSld>
 </p:sld>
@@ -3450,6 +3379,56 @@
       </p:grpSpPr>
       <p:sp>
         <p:nvSpPr>
+          <p:cNvPr id="3" name="Content Placeholder 2"/>
+          <p:cNvSpPr>
+            <a:spLocks noGrp="1"/>
+          </p:cNvSpPr>
+          <p:nvPr>
+            <p:ph idx="1"/>
+          </p:nvPr>
+        </p:nvSpPr>
+        <p:spPr/>
+        <p:txBody>
+          <a:bodyPr/>
+          <a:lstStyle/>
+          <a:p>
+            <a:pPr lvl="0" indent="0" marL="0">
+              <a:spcBef>
+                <a:spcPts val="3000"/>
+              </a:spcBef>
+              <a:buNone/>
+            </a:pPr>
+            <a:r>
+              <a:rPr b="1"/>
+              <a:t>Código</a:t>
+            </a:r>
+          </a:p>
+        </p:txBody>
+      </p:sp>
+    </p:spTree>
+  </p:cSld>
+</p:sld>
+</file>
+
+<file path=ppt/slides/slide5.xml><?xml version="1.0" encoding="utf-8"?>
+<p:sld xmlns:a="http://schemas.openxmlformats.org/drawingml/2006/main" xmlns:r="http://schemas.openxmlformats.org/officeDocument/2006/relationships" xmlns:p="http://schemas.openxmlformats.org/presentationml/2006/main">
+  <p:cSld>
+    <p:spTree>
+      <p:nvGrpSpPr>
+        <p:cNvPr id="1" name=""/>
+        <p:cNvGrpSpPr/>
+        <p:nvPr/>
+      </p:nvGrpSpPr>
+      <p:grpSpPr>
+        <a:xfrm>
+          <a:off x="0" y="0"/>
+          <a:ext cx="0" cy="0"/>
+          <a:chOff x="0" y="0"/>
+          <a:chExt cx="0" cy="0"/>
+        </a:xfrm>
+      </p:grpSpPr>
+      <p:sp>
+        <p:nvSpPr>
           <p:cNvPr id="2" name="Title 1"/>
           <p:cNvSpPr>
             <a:spLocks noGrp="1"/>
@@ -3468,7 +3447,7 @@
             </a:pPr>
             <a:r>
               <a:rPr/>
-              <a:t>Code</a:t>
+              <a:t>Importando el paquete gMOIP</a:t>
             </a:r>
           </a:p>
         </p:txBody>
@@ -3488,20 +3467,605 @@
           <a:bodyPr/>
           <a:lstStyle/>
           <a:p>
+            <a:pPr lvl="0" indent="0">
+              <a:buNone/>
+            </a:pPr>
+            <a:r>
+              <a:rPr>
+                <a:solidFill>
+                  <a:srgbClr val="003B4F"/>
+                </a:solidFill>
+                <a:latin typeface="Courier"/>
+              </a:rPr>
+              <a:t>if (</a:t>
+            </a:r>
+            <a:r>
+              <a:rPr>
+                <a:solidFill>
+                  <a:srgbClr val="5E5E5E"/>
+                </a:solidFill>
+                <a:latin typeface="Courier"/>
+              </a:rPr>
+              <a:t>!</a:t>
+            </a:r>
+            <a:r>
+              <a:rPr>
+                <a:solidFill>
+                  <a:srgbClr val="4758AB"/>
+                </a:solidFill>
+                <a:latin typeface="Courier"/>
+              </a:rPr>
+              <a:t>require</a:t>
+            </a:r>
+            <a:r>
+              <a:rPr>
+                <a:solidFill>
+                  <a:srgbClr val="003B4F"/>
+                </a:solidFill>
+                <a:latin typeface="Courier"/>
+              </a:rPr>
+              <a:t>(</a:t>
+            </a:r>
+            <a:r>
+              <a:rPr>
+                <a:solidFill>
+                  <a:srgbClr val="20794D"/>
+                </a:solidFill>
+                <a:latin typeface="Courier"/>
+              </a:rPr>
+              <a:t>"gMOIP"</a:t>
+            </a:r>
+            <a:r>
+              <a:rPr>
+                <a:solidFill>
+                  <a:srgbClr val="003B4F"/>
+                </a:solidFill>
+                <a:latin typeface="Courier"/>
+              </a:rPr>
+              <a:t>)) {</a:t>
+            </a:r>
+            <a:r>
+              <a:rPr>
+                <a:solidFill>
+                  <a:srgbClr val="4758AB"/>
+                </a:solidFill>
+                <a:latin typeface="Courier"/>
+              </a:rPr>
+              <a:t>install.packages</a:t>
+            </a:r>
+            <a:r>
+              <a:rPr>
+                <a:solidFill>
+                  <a:srgbClr val="003B4F"/>
+                </a:solidFill>
+                <a:latin typeface="Courier"/>
+              </a:rPr>
+              <a:t>(</a:t>
+            </a:r>
+            <a:r>
+              <a:rPr>
+                <a:solidFill>
+                  <a:srgbClr val="20794D"/>
+                </a:solidFill>
+                <a:latin typeface="Courier"/>
+              </a:rPr>
+              <a:t>"gMOIP"</a:t>
+            </a:r>
+            <a:r>
+              <a:rPr>
+                <a:solidFill>
+                  <a:srgbClr val="003B4F"/>
+                </a:solidFill>
+                <a:latin typeface="Courier"/>
+              </a:rPr>
+              <a:t>, </a:t>
+            </a:r>
+            <a:r>
+              <a:rPr>
+                <a:solidFill>
+                  <a:srgbClr val="657422"/>
+                </a:solidFill>
+                <a:latin typeface="Courier"/>
+              </a:rPr>
+              <a:t>dependencies =</a:t>
+            </a:r>
+            <a:r>
+              <a:rPr>
+                <a:solidFill>
+                  <a:srgbClr val="003B4F"/>
+                </a:solidFill>
+                <a:latin typeface="Courier"/>
+              </a:rPr>
+              <a:t> </a:t>
+            </a:r>
+            <a:r>
+              <a:rPr>
+                <a:solidFill>
+                  <a:srgbClr val="8F5902"/>
+                </a:solidFill>
+                <a:latin typeface="Courier"/>
+              </a:rPr>
+              <a:t>TRUE</a:t>
+            </a:r>
+            <a:r>
+              <a:rPr>
+                <a:solidFill>
+                  <a:srgbClr val="003B4F"/>
+                </a:solidFill>
+                <a:latin typeface="Courier"/>
+              </a:rPr>
+              <a:t>);</a:t>
+            </a:r>
+            <a:r>
+              <a:rPr>
+                <a:solidFill>
+                  <a:srgbClr val="4758AB"/>
+                </a:solidFill>
+                <a:latin typeface="Courier"/>
+              </a:rPr>
+              <a:t>library</a:t>
+            </a:r>
+            <a:r>
+              <a:rPr>
+                <a:solidFill>
+                  <a:srgbClr val="003B4F"/>
+                </a:solidFill>
+                <a:latin typeface="Courier"/>
+              </a:rPr>
+              <a:t>(gMOIP)}</a:t>
+            </a:r>
+          </a:p>
+        </p:txBody>
+      </p:sp>
+    </p:spTree>
+  </p:cSld>
+</p:sld>
+</file>
+
+<file path=ppt/slides/slide6.xml><?xml version="1.0" encoding="utf-8"?>
+<p:sld xmlns:a="http://schemas.openxmlformats.org/drawingml/2006/main" xmlns:r="http://schemas.openxmlformats.org/officeDocument/2006/relationships" xmlns:p="http://schemas.openxmlformats.org/presentationml/2006/main">
+  <p:cSld>
+    <p:spTree>
+      <p:nvGrpSpPr>
+        <p:cNvPr id="1" name=""/>
+        <p:cNvGrpSpPr/>
+        <p:nvPr/>
+      </p:nvGrpSpPr>
+      <p:grpSpPr>
+        <a:xfrm>
+          <a:off x="0" y="0"/>
+          <a:ext cx="0" cy="0"/>
+          <a:chOff x="0" y="0"/>
+          <a:chExt cx="0" cy="0"/>
+        </a:xfrm>
+      </p:grpSpPr>
+      <p:sp>
+        <p:nvSpPr>
+          <p:cNvPr id="2" name="Title 1"/>
+          <p:cNvSpPr>
+            <a:spLocks noGrp="1"/>
+          </p:cNvSpPr>
+          <p:nvPr>
+            <p:ph type="title"/>
+          </p:nvPr>
+        </p:nvSpPr>
+        <p:spPr>
+          <a:xfrm>
+            <a:off x="457201" y="204787"/>
+            <a:ext cx="3008313" cy="871538"/>
+          </a:xfrm>
+        </p:spPr>
+        <p:txBody>
+          <a:bodyPr/>
+          <a:lstStyle/>
+          <a:p>
             <a:pPr lvl="0" indent="0" marL="0">
               <a:buNone/>
             </a:pPr>
             <a:r>
               <a:rPr/>
-              <a:t>When you click the </a:t>
-            </a:r>
-            <a:r>
-              <a:rPr b="1"/>
-              <a:t>Render</a:t>
-            </a:r>
+              <a:t>Configurando Matriz, función objetivo y restricciones</a:t>
+            </a:r>
+          </a:p>
+        </p:txBody>
+      </p:sp>
+      <p:sp>
+        <p:nvSpPr>
+          <p:cNvPr id="4" name="Text Placeholder 3"/>
+          <p:cNvSpPr>
+            <a:spLocks noGrp="1"/>
+          </p:cNvSpPr>
+          <p:nvPr>
+            <p:ph idx="2" sz="half" type="body"/>
+          </p:nvPr>
+        </p:nvSpPr>
+        <p:spPr/>
+        <p:txBody>
+          <a:bodyPr/>
+          <a:lstStyle/>
+          <a:p>
+            <a:pPr lvl="0" indent="0">
+              <a:buNone/>
+            </a:pPr>
+            <a:r>
+              <a:rPr>
+                <a:solidFill>
+                  <a:srgbClr val="003B4F"/>
+                </a:solidFill>
+                <a:latin typeface="Courier"/>
+              </a:rPr>
+              <a:t>A = </a:t>
+            </a:r>
+            <a:r>
+              <a:rPr>
+                <a:solidFill>
+                  <a:srgbClr val="4758AB"/>
+                </a:solidFill>
+                <a:latin typeface="Courier"/>
+              </a:rPr>
+              <a:t>matrix</a:t>
+            </a:r>
+            <a:r>
+              <a:rPr>
+                <a:solidFill>
+                  <a:srgbClr val="003B4F"/>
+                </a:solidFill>
+                <a:latin typeface="Courier"/>
+              </a:rPr>
+              <a:t>(</a:t>
+            </a:r>
+            <a:r>
+              <a:rPr>
+                <a:solidFill>
+                  <a:srgbClr val="4758AB"/>
+                </a:solidFill>
+                <a:latin typeface="Courier"/>
+              </a:rPr>
+              <a:t>c</a:t>
+            </a:r>
+            <a:r>
+              <a:rPr>
+                <a:solidFill>
+                  <a:srgbClr val="003B4F"/>
+                </a:solidFill>
+                <a:latin typeface="Courier"/>
+              </a:rPr>
+              <a:t>(</a:t>
+            </a:r>
+            <a:r>
+              <a:rPr>
+                <a:solidFill>
+                  <a:srgbClr val="AD0000"/>
+                </a:solidFill>
+                <a:latin typeface="Courier"/>
+              </a:rPr>
+              <a:t>3</a:t>
+            </a:r>
+            <a:r>
+              <a:rPr>
+                <a:solidFill>
+                  <a:srgbClr val="003B4F"/>
+                </a:solidFill>
+                <a:latin typeface="Courier"/>
+              </a:rPr>
+              <a:t>,</a:t>
+            </a:r>
+            <a:r>
+              <a:rPr>
+                <a:solidFill>
+                  <a:srgbClr val="AD0000"/>
+                </a:solidFill>
+                <a:latin typeface="Courier"/>
+              </a:rPr>
+              <a:t>2</a:t>
+            </a:r>
+            <a:r>
+              <a:rPr>
+                <a:solidFill>
+                  <a:srgbClr val="003B4F"/>
+                </a:solidFill>
+                <a:latin typeface="Courier"/>
+              </a:rPr>
+              <a:t>,</a:t>
+            </a:r>
+            <a:r>
+              <a:rPr>
+                <a:solidFill>
+                  <a:srgbClr val="AD0000"/>
+                </a:solidFill>
+                <a:latin typeface="Courier"/>
+              </a:rPr>
+              <a:t>3</a:t>
+            </a:r>
+            <a:r>
+              <a:rPr>
+                <a:solidFill>
+                  <a:srgbClr val="003B4F"/>
+                </a:solidFill>
+                <a:latin typeface="Courier"/>
+              </a:rPr>
+              <a:t>,</a:t>
+            </a:r>
+            <a:r>
+              <a:rPr>
+                <a:solidFill>
+                  <a:srgbClr val="AD0000"/>
+                </a:solidFill>
+                <a:latin typeface="Courier"/>
+              </a:rPr>
+              <a:t>4</a:t>
+            </a:r>
+            <a:r>
+              <a:rPr>
+                <a:solidFill>
+                  <a:srgbClr val="003B4F"/>
+                </a:solidFill>
+                <a:latin typeface="Courier"/>
+              </a:rPr>
+              <a:t>,</a:t>
+            </a:r>
+            <a:r>
+              <a:rPr>
+                <a:solidFill>
+                  <a:srgbClr val="AD0000"/>
+                </a:solidFill>
+                <a:latin typeface="Courier"/>
+              </a:rPr>
+              <a:t>0</a:t>
+            </a:r>
+            <a:r>
+              <a:rPr>
+                <a:solidFill>
+                  <a:srgbClr val="003B4F"/>
+                </a:solidFill>
+                <a:latin typeface="Courier"/>
+              </a:rPr>
+              <a:t>,</a:t>
+            </a:r>
+            <a:r>
+              <a:rPr>
+                <a:solidFill>
+                  <a:srgbClr val="AD0000"/>
+                </a:solidFill>
+                <a:latin typeface="Courier"/>
+              </a:rPr>
+              <a:t>1</a:t>
+            </a:r>
+            <a:r>
+              <a:rPr>
+                <a:solidFill>
+                  <a:srgbClr val="003B4F"/>
+                </a:solidFill>
+                <a:latin typeface="Courier"/>
+              </a:rPr>
+              <a:t>), </a:t>
+            </a:r>
+            <a:r>
+              <a:rPr>
+                <a:solidFill>
+                  <a:srgbClr val="657422"/>
+                </a:solidFill>
+                <a:latin typeface="Courier"/>
+              </a:rPr>
+              <a:t>nrow =</a:t>
+            </a:r>
+            <a:r>
+              <a:rPr>
+                <a:solidFill>
+                  <a:srgbClr val="003B4F"/>
+                </a:solidFill>
+                <a:latin typeface="Courier"/>
+              </a:rPr>
+              <a:t> </a:t>
+            </a:r>
+            <a:r>
+              <a:rPr>
+                <a:solidFill>
+                  <a:srgbClr val="AD0000"/>
+                </a:solidFill>
+                <a:latin typeface="Courier"/>
+              </a:rPr>
+              <a:t>3</a:t>
+            </a:r>
+            <a:r>
+              <a:rPr>
+                <a:solidFill>
+                  <a:srgbClr val="003B4F"/>
+                </a:solidFill>
+                <a:latin typeface="Courier"/>
+              </a:rPr>
+              <a:t>, </a:t>
+            </a:r>
+            <a:r>
+              <a:rPr>
+                <a:solidFill>
+                  <a:srgbClr val="657422"/>
+                </a:solidFill>
+                <a:latin typeface="Courier"/>
+              </a:rPr>
+              <a:t>byrow =</a:t>
+            </a:r>
+            <a:r>
+              <a:rPr>
+                <a:solidFill>
+                  <a:srgbClr val="003B4F"/>
+                </a:solidFill>
+                <a:latin typeface="Courier"/>
+              </a:rPr>
+              <a:t> </a:t>
+            </a:r>
+            <a:r>
+              <a:rPr>
+                <a:solidFill>
+                  <a:srgbClr val="8F5902"/>
+                </a:solidFill>
+                <a:latin typeface="Courier"/>
+              </a:rPr>
+              <a:t>TRUE</a:t>
+            </a:r>
+            <a:r>
+              <a:rPr>
+                <a:solidFill>
+                  <a:srgbClr val="003B4F"/>
+                </a:solidFill>
+                <a:latin typeface="Courier"/>
+              </a:rPr>
+              <a:t>)</a:t>
+            </a:r>
+            <a:br/>
+            <a:r>
+              <a:rPr>
+                <a:solidFill>
+                  <a:srgbClr val="003B4F"/>
+                </a:solidFill>
+                <a:latin typeface="Courier"/>
+              </a:rPr>
+              <a:t>b = </a:t>
+            </a:r>
+            <a:r>
+              <a:rPr>
+                <a:solidFill>
+                  <a:srgbClr val="4758AB"/>
+                </a:solidFill>
+                <a:latin typeface="Courier"/>
+              </a:rPr>
+              <a:t>c</a:t>
+            </a:r>
+            <a:r>
+              <a:rPr>
+                <a:solidFill>
+                  <a:srgbClr val="003B4F"/>
+                </a:solidFill>
+                <a:latin typeface="Courier"/>
+              </a:rPr>
+              <a:t>(</a:t>
+            </a:r>
+            <a:r>
+              <a:rPr>
+                <a:solidFill>
+                  <a:srgbClr val="AD0000"/>
+                </a:solidFill>
+                <a:latin typeface="Courier"/>
+              </a:rPr>
+              <a:t>36</a:t>
+            </a:r>
+            <a:r>
+              <a:rPr>
+                <a:solidFill>
+                  <a:srgbClr val="003B4F"/>
+                </a:solidFill>
+                <a:latin typeface="Courier"/>
+              </a:rPr>
+              <a:t>, </a:t>
+            </a:r>
+            <a:r>
+              <a:rPr>
+                <a:solidFill>
+                  <a:srgbClr val="AD0000"/>
+                </a:solidFill>
+                <a:latin typeface="Courier"/>
+              </a:rPr>
+              <a:t>48</a:t>
+            </a:r>
+            <a:r>
+              <a:rPr>
+                <a:solidFill>
+                  <a:srgbClr val="003B4F"/>
+                </a:solidFill>
+                <a:latin typeface="Courier"/>
+              </a:rPr>
+              <a:t>, </a:t>
+            </a:r>
+            <a:r>
+              <a:rPr>
+                <a:solidFill>
+                  <a:srgbClr val="AD0000"/>
+                </a:solidFill>
+                <a:latin typeface="Courier"/>
+              </a:rPr>
+              <a:t>9</a:t>
+            </a:r>
+            <a:r>
+              <a:rPr>
+                <a:solidFill>
+                  <a:srgbClr val="003B4F"/>
+                </a:solidFill>
+                <a:latin typeface="Courier"/>
+              </a:rPr>
+              <a:t>)</a:t>
+            </a:r>
+            <a:br/>
+            <a:r>
+              <a:rPr>
+                <a:solidFill>
+                  <a:srgbClr val="003B4F"/>
+                </a:solidFill>
+                <a:latin typeface="Courier"/>
+              </a:rPr>
+              <a:t>obj = </a:t>
+            </a:r>
+            <a:r>
+              <a:rPr>
+                <a:solidFill>
+                  <a:srgbClr val="4758AB"/>
+                </a:solidFill>
+                <a:latin typeface="Courier"/>
+              </a:rPr>
+              <a:t>c</a:t>
+            </a:r>
+            <a:r>
+              <a:rPr>
+                <a:solidFill>
+                  <a:srgbClr val="003B4F"/>
+                </a:solidFill>
+                <a:latin typeface="Courier"/>
+              </a:rPr>
+              <a:t>(</a:t>
+            </a:r>
+            <a:r>
+              <a:rPr>
+                <a:solidFill>
+                  <a:srgbClr val="AD0000"/>
+                </a:solidFill>
+                <a:latin typeface="Courier"/>
+              </a:rPr>
+              <a:t>24</a:t>
+            </a:r>
+            <a:r>
+              <a:rPr>
+                <a:solidFill>
+                  <a:srgbClr val="003B4F"/>
+                </a:solidFill>
+                <a:latin typeface="Courier"/>
+              </a:rPr>
+              <a:t>, </a:t>
+            </a:r>
+            <a:r>
+              <a:rPr>
+                <a:solidFill>
+                  <a:srgbClr val="AD0000"/>
+                </a:solidFill>
+                <a:latin typeface="Courier"/>
+              </a:rPr>
+              <a:t>22</a:t>
+            </a:r>
+            <a:r>
+              <a:rPr>
+                <a:solidFill>
+                  <a:srgbClr val="003B4F"/>
+                </a:solidFill>
+                <a:latin typeface="Courier"/>
+              </a:rPr>
+              <a:t>)</a:t>
+            </a:r>
+          </a:p>
+          <a:p>
+            <a:pPr lvl="0" indent="0" marL="0">
+              <a:buNone/>
+            </a:pPr>
             <a:r>
               <a:rPr/>
-              <a:t> button a presentation will be generated that includes both content and the output of embedded code. You can embed code like this:</a:t>
+              <a:t>#Graficando la solución</a:t>
             </a:r>
           </a:p>
           <a:p>
@@ -3510,13 +4074,516 @@
             </a:pPr>
             <a:r>
               <a:rPr>
-                <a:latin typeface="Courier"/>
-              </a:rPr>
-              <a:t>[1] 2</a:t>
-            </a:r>
-          </a:p>
-        </p:txBody>
-      </p:sp>
+                <a:solidFill>
+                  <a:srgbClr val="4758AB"/>
+                </a:solidFill>
+                <a:latin typeface="Courier"/>
+              </a:rPr>
+              <a:t>plotPolytope</a:t>
+            </a:r>
+            <a:r>
+              <a:rPr>
+                <a:solidFill>
+                  <a:srgbClr val="003B4F"/>
+                </a:solidFill>
+                <a:latin typeface="Courier"/>
+              </a:rPr>
+              <a:t>(A, b, obj, </a:t>
+            </a:r>
+            <a:r>
+              <a:rPr>
+                <a:solidFill>
+                  <a:srgbClr val="657422"/>
+                </a:solidFill>
+                <a:latin typeface="Courier"/>
+              </a:rPr>
+              <a:t>type =</a:t>
+            </a:r>
+            <a:r>
+              <a:rPr>
+                <a:solidFill>
+                  <a:srgbClr val="003B4F"/>
+                </a:solidFill>
+                <a:latin typeface="Courier"/>
+              </a:rPr>
+              <a:t> </a:t>
+            </a:r>
+            <a:r>
+              <a:rPr>
+                <a:solidFill>
+                  <a:srgbClr val="4758AB"/>
+                </a:solidFill>
+                <a:latin typeface="Courier"/>
+              </a:rPr>
+              <a:t>rep</a:t>
+            </a:r>
+            <a:r>
+              <a:rPr>
+                <a:solidFill>
+                  <a:srgbClr val="003B4F"/>
+                </a:solidFill>
+                <a:latin typeface="Courier"/>
+              </a:rPr>
+              <a:t>(</a:t>
+            </a:r>
+            <a:r>
+              <a:rPr>
+                <a:solidFill>
+                  <a:srgbClr val="20794D"/>
+                </a:solidFill>
+                <a:latin typeface="Courier"/>
+              </a:rPr>
+              <a:t>"c"</a:t>
+            </a:r>
+            <a:r>
+              <a:rPr>
+                <a:solidFill>
+                  <a:srgbClr val="003B4F"/>
+                </a:solidFill>
+                <a:latin typeface="Courier"/>
+              </a:rPr>
+              <a:t>, </a:t>
+            </a:r>
+            <a:r>
+              <a:rPr>
+                <a:solidFill>
+                  <a:srgbClr val="4758AB"/>
+                </a:solidFill>
+                <a:latin typeface="Courier"/>
+              </a:rPr>
+              <a:t>ncol</a:t>
+            </a:r>
+            <a:r>
+              <a:rPr>
+                <a:solidFill>
+                  <a:srgbClr val="003B4F"/>
+                </a:solidFill>
+                <a:latin typeface="Courier"/>
+              </a:rPr>
+              <a:t>(A)), </a:t>
+            </a:r>
+            <a:r>
+              <a:rPr>
+                <a:solidFill>
+                  <a:srgbClr val="657422"/>
+                </a:solidFill>
+                <a:latin typeface="Courier"/>
+              </a:rPr>
+              <a:t>crit =</a:t>
+            </a:r>
+            <a:r>
+              <a:rPr>
+                <a:solidFill>
+                  <a:srgbClr val="003B4F"/>
+                </a:solidFill>
+                <a:latin typeface="Courier"/>
+              </a:rPr>
+              <a:t> </a:t>
+            </a:r>
+            <a:r>
+              <a:rPr>
+                <a:solidFill>
+                  <a:srgbClr val="20794D"/>
+                </a:solidFill>
+                <a:latin typeface="Courier"/>
+              </a:rPr>
+              <a:t>"max"</a:t>
+            </a:r>
+            <a:r>
+              <a:rPr>
+                <a:solidFill>
+                  <a:srgbClr val="003B4F"/>
+                </a:solidFill>
+                <a:latin typeface="Courier"/>
+              </a:rPr>
+              <a:t>, </a:t>
+            </a:r>
+            <a:r>
+              <a:rPr>
+                <a:solidFill>
+                  <a:srgbClr val="657422"/>
+                </a:solidFill>
+                <a:latin typeface="Courier"/>
+              </a:rPr>
+              <a:t>faces =</a:t>
+            </a:r>
+            <a:r>
+              <a:rPr>
+                <a:solidFill>
+                  <a:srgbClr val="003B4F"/>
+                </a:solidFill>
+                <a:latin typeface="Courier"/>
+              </a:rPr>
+              <a:t> </a:t>
+            </a:r>
+            <a:r>
+              <a:rPr>
+                <a:solidFill>
+                  <a:srgbClr val="4758AB"/>
+                </a:solidFill>
+                <a:latin typeface="Courier"/>
+              </a:rPr>
+              <a:t>rep</a:t>
+            </a:r>
+            <a:r>
+              <a:rPr>
+                <a:solidFill>
+                  <a:srgbClr val="003B4F"/>
+                </a:solidFill>
+                <a:latin typeface="Courier"/>
+              </a:rPr>
+              <a:t>(</a:t>
+            </a:r>
+            <a:r>
+              <a:rPr>
+                <a:solidFill>
+                  <a:srgbClr val="20794D"/>
+                </a:solidFill>
+                <a:latin typeface="Courier"/>
+              </a:rPr>
+              <a:t>"c"</a:t>
+            </a:r>
+            <a:r>
+              <a:rPr>
+                <a:solidFill>
+                  <a:srgbClr val="003B4F"/>
+                </a:solidFill>
+                <a:latin typeface="Courier"/>
+              </a:rPr>
+              <a:t>, </a:t>
+            </a:r>
+            <a:br/>
+            <a:r>
+              <a:rPr>
+                <a:solidFill>
+                  <a:srgbClr val="4758AB"/>
+                </a:solidFill>
+                <a:latin typeface="Courier"/>
+              </a:rPr>
+              <a:t>ncol</a:t>
+            </a:r>
+            <a:r>
+              <a:rPr>
+                <a:solidFill>
+                  <a:srgbClr val="003B4F"/>
+                </a:solidFill>
+                <a:latin typeface="Courier"/>
+              </a:rPr>
+              <a:t>(A)), </a:t>
+            </a:r>
+            <a:r>
+              <a:rPr>
+                <a:solidFill>
+                  <a:srgbClr val="657422"/>
+                </a:solidFill>
+                <a:latin typeface="Courier"/>
+              </a:rPr>
+              <a:t>plotFaces =</a:t>
+            </a:r>
+            <a:r>
+              <a:rPr>
+                <a:solidFill>
+                  <a:srgbClr val="003B4F"/>
+                </a:solidFill>
+                <a:latin typeface="Courier"/>
+              </a:rPr>
+              <a:t>T, </a:t>
+            </a:r>
+            <a:r>
+              <a:rPr>
+                <a:solidFill>
+                  <a:srgbClr val="657422"/>
+                </a:solidFill>
+                <a:latin typeface="Courier"/>
+              </a:rPr>
+              <a:t>plotFeasible =</a:t>
+            </a:r>
+            <a:r>
+              <a:rPr>
+                <a:solidFill>
+                  <a:srgbClr val="003B4F"/>
+                </a:solidFill>
+                <a:latin typeface="Courier"/>
+              </a:rPr>
+              <a:t> T, </a:t>
+            </a:r>
+            <a:r>
+              <a:rPr>
+                <a:solidFill>
+                  <a:srgbClr val="657422"/>
+                </a:solidFill>
+                <a:latin typeface="Courier"/>
+              </a:rPr>
+              <a:t>plotOptimum =</a:t>
+            </a:r>
+            <a:r>
+              <a:rPr>
+                <a:solidFill>
+                  <a:srgbClr val="003B4F"/>
+                </a:solidFill>
+                <a:latin typeface="Courier"/>
+              </a:rPr>
+              <a:t> T, </a:t>
+            </a:r>
+            <a:r>
+              <a:rPr>
+                <a:solidFill>
+                  <a:srgbClr val="657422"/>
+                </a:solidFill>
+                <a:latin typeface="Courier"/>
+              </a:rPr>
+              <a:t>labels =</a:t>
+            </a:r>
+            <a:r>
+              <a:rPr>
+                <a:solidFill>
+                  <a:srgbClr val="003B4F"/>
+                </a:solidFill>
+                <a:latin typeface="Courier"/>
+              </a:rPr>
+              <a:t> </a:t>
+            </a:r>
+            <a:r>
+              <a:rPr>
+                <a:solidFill>
+                  <a:srgbClr val="20794D"/>
+                </a:solidFill>
+                <a:latin typeface="Courier"/>
+              </a:rPr>
+              <a:t>"coord"</a:t>
+            </a:r>
+            <a:r>
+              <a:rPr>
+                <a:solidFill>
+                  <a:srgbClr val="003B4F"/>
+                </a:solidFill>
+                <a:latin typeface="Courier"/>
+              </a:rPr>
+              <a:t>) </a:t>
+            </a:r>
+            <a:r>
+              <a:rPr>
+                <a:solidFill>
+                  <a:srgbClr val="5E5E5E"/>
+                </a:solidFill>
+                <a:latin typeface="Courier"/>
+              </a:rPr>
+              <a:t>+</a:t>
+            </a:r>
+            <a:br/>
+            <a:r>
+              <a:rPr>
+                <a:solidFill>
+                  <a:srgbClr val="003B4F"/>
+                </a:solidFill>
+                <a:latin typeface="Courier"/>
+              </a:rPr>
+              <a:t>ggplot2</a:t>
+            </a:r>
+            <a:r>
+              <a:rPr>
+                <a:solidFill>
+                  <a:srgbClr val="5E5E5E"/>
+                </a:solidFill>
+                <a:latin typeface="Courier"/>
+              </a:rPr>
+              <a:t>::</a:t>
+            </a:r>
+            <a:r>
+              <a:rPr>
+                <a:solidFill>
+                  <a:srgbClr val="4758AB"/>
+                </a:solidFill>
+                <a:latin typeface="Courier"/>
+              </a:rPr>
+              <a:t>ggtitle</a:t>
+            </a:r>
+            <a:r>
+              <a:rPr>
+                <a:solidFill>
+                  <a:srgbClr val="003B4F"/>
+                </a:solidFill>
+                <a:latin typeface="Courier"/>
+              </a:rPr>
+              <a:t>(</a:t>
+            </a:r>
+            <a:r>
+              <a:rPr>
+                <a:solidFill>
+                  <a:srgbClr val="20794D"/>
+                </a:solidFill>
+                <a:latin typeface="Courier"/>
+              </a:rPr>
+              <a:t>"Feasible region only"</a:t>
+            </a:r>
+            <a:r>
+              <a:rPr>
+                <a:solidFill>
+                  <a:srgbClr val="003B4F"/>
+                </a:solidFill>
+                <a:latin typeface="Courier"/>
+              </a:rPr>
+              <a:t>) </a:t>
+            </a:r>
+            <a:r>
+              <a:rPr>
+                <a:solidFill>
+                  <a:srgbClr val="5E5E5E"/>
+                </a:solidFill>
+                <a:latin typeface="Courier"/>
+              </a:rPr>
+              <a:t>+</a:t>
+            </a:r>
+            <a:r>
+              <a:rPr>
+                <a:solidFill>
+                  <a:srgbClr val="003B4F"/>
+                </a:solidFill>
+                <a:latin typeface="Courier"/>
+              </a:rPr>
+              <a:t> ggplot2</a:t>
+            </a:r>
+            <a:r>
+              <a:rPr>
+                <a:solidFill>
+                  <a:srgbClr val="5E5E5E"/>
+                </a:solidFill>
+                <a:latin typeface="Courier"/>
+              </a:rPr>
+              <a:t>::</a:t>
+            </a:r>
+            <a:r>
+              <a:rPr>
+                <a:solidFill>
+                  <a:srgbClr val="4758AB"/>
+                </a:solidFill>
+                <a:latin typeface="Courier"/>
+              </a:rPr>
+              <a:t>xlab</a:t>
+            </a:r>
+            <a:r>
+              <a:rPr>
+                <a:solidFill>
+                  <a:srgbClr val="003B4F"/>
+                </a:solidFill>
+                <a:latin typeface="Courier"/>
+              </a:rPr>
+              <a:t>(</a:t>
+            </a:r>
+            <a:r>
+              <a:rPr>
+                <a:solidFill>
+                  <a:srgbClr val="20794D"/>
+                </a:solidFill>
+                <a:latin typeface="Courier"/>
+              </a:rPr>
+              <a:t>"x"</a:t>
+            </a:r>
+            <a:r>
+              <a:rPr>
+                <a:solidFill>
+                  <a:srgbClr val="003B4F"/>
+                </a:solidFill>
+                <a:latin typeface="Courier"/>
+              </a:rPr>
+              <a:t>) </a:t>
+            </a:r>
+            <a:r>
+              <a:rPr>
+                <a:solidFill>
+                  <a:srgbClr val="5E5E5E"/>
+                </a:solidFill>
+                <a:latin typeface="Courier"/>
+              </a:rPr>
+              <a:t>+</a:t>
+            </a:r>
+            <a:r>
+              <a:rPr>
+                <a:solidFill>
+                  <a:srgbClr val="003B4F"/>
+                </a:solidFill>
+                <a:latin typeface="Courier"/>
+              </a:rPr>
+              <a:t> ggplot2</a:t>
+            </a:r>
+            <a:r>
+              <a:rPr>
+                <a:solidFill>
+                  <a:srgbClr val="5E5E5E"/>
+                </a:solidFill>
+                <a:latin typeface="Courier"/>
+              </a:rPr>
+              <a:t>::</a:t>
+            </a:r>
+            <a:r>
+              <a:rPr>
+                <a:solidFill>
+                  <a:srgbClr val="4758AB"/>
+                </a:solidFill>
+                <a:latin typeface="Courier"/>
+              </a:rPr>
+              <a:t>ylab</a:t>
+            </a:r>
+            <a:r>
+              <a:rPr>
+                <a:solidFill>
+                  <a:srgbClr val="003B4F"/>
+                </a:solidFill>
+                <a:latin typeface="Courier"/>
+              </a:rPr>
+              <a:t>(</a:t>
+            </a:r>
+            <a:r>
+              <a:rPr>
+                <a:solidFill>
+                  <a:srgbClr val="20794D"/>
+                </a:solidFill>
+                <a:latin typeface="Courier"/>
+              </a:rPr>
+              <a:t>"y"</a:t>
+            </a:r>
+            <a:r>
+              <a:rPr>
+                <a:solidFill>
+                  <a:srgbClr val="003B4F"/>
+                </a:solidFill>
+                <a:latin typeface="Courier"/>
+              </a:rPr>
+              <a:t>)</a:t>
+            </a:r>
+          </a:p>
+        </p:txBody>
+      </p:sp>
+      <p:pic>
+        <p:nvPicPr>
+          <p:cNvPr descr="PL-E1_files/figure-pptx/remedy002-1.png" id="0" name="Picture 1"/>
+          <p:cNvPicPr>
+            <a:picLocks noGrp="1" noChangeAspect="1"/>
+          </p:cNvPicPr>
+          <p:nvPr/>
+        </p:nvPicPr>
+        <p:blipFill>
+          <a:blip r:embed="rId2"/>
+          <a:stretch>
+            <a:fillRect/>
+          </a:stretch>
+        </p:blipFill>
+        <p:spPr bwMode="auto">
+          <a:xfrm>
+            <a:off x="3568700" y="1117600"/>
+            <a:ext cx="5105400" cy="2552700"/>
+          </a:xfrm>
+          <a:prstGeom prst="rect">
+            <a:avLst/>
+          </a:prstGeom>
+          <a:noFill/>
+          <a:ln w="9525">
+            <a:noFill/>
+            <a:headEnd/>
+            <a:tailEnd/>
+          </a:ln>
+        </p:spPr>
+      </p:pic>
     </p:spTree>
   </p:cSld>
 </p:sld>
